--- a/tutorial/EGI-2011/04_adaptors.pptx
+++ b/tutorial/EGI-2011/04_adaptors.pptx
@@ -1,6 +1,6 @@
 
 <file path=ppt/presentation.xml><?xml version="1.0" encoding="utf-8"?>
-<p:presentation xmlns:a="http://schemas.openxmlformats.org/drawingml/2006/main" xmlns:r="http://schemas.openxmlformats.org/officeDocument/2006/relationships" xmlns:mc="http://schemas.openxmlformats.org/markup-compatibility/2006" xmlns:mv="urn:schemas-microsoft-com:mac:vml" xmlns:p="http://schemas.openxmlformats.org/presentationml/2006/main" mc:Ignorable="mv" mc:PreserveAttributes="mv:*" saveSubsetFonts="1" autoCompressPictures="0">
+<p:presentation xmlns:a="http://schemas.openxmlformats.org/drawingml/2006/main" xmlns:r="http://schemas.openxmlformats.org/officeDocument/2006/relationships" xmlns:p="http://schemas.openxmlformats.org/presentationml/2006/main" saveSubsetFonts="1" autoCompressPictures="0">
   <p:sldMasterIdLst>
     <p:sldMasterId id="2147483660" r:id="rId1"/>
   </p:sldMasterIdLst>
@@ -127,7 +127,7 @@
 </file>
 
 <file path=ppt/handoutMasters/handoutMaster1.xml><?xml version="1.0" encoding="utf-8"?>
-<p:handoutMaster xmlns:a="http://schemas.openxmlformats.org/drawingml/2006/main" xmlns:r="http://schemas.openxmlformats.org/officeDocument/2006/relationships" xmlns:mc="http://schemas.openxmlformats.org/markup-compatibility/2006" xmlns:mv="urn:schemas-microsoft-com:mac:vml" xmlns:p="http://schemas.openxmlformats.org/presentationml/2006/main" mc:Ignorable="mv" mc:PreserveAttributes="mv:*">
+<p:handoutMaster xmlns:a="http://schemas.openxmlformats.org/drawingml/2006/main" xmlns:r="http://schemas.openxmlformats.org/officeDocument/2006/relationships" xmlns:p="http://schemas.openxmlformats.org/presentationml/2006/main">
   <p:cSld>
     <p:bg>
       <p:bgRef idx="1001">
@@ -209,7 +209,7 @@
             <a:fld id="{9A6AC4B2-6F12-454D-8DA7-7B9C78843B81}" type="datetimeFigureOut">
               <a:rPr lang="en-US" smtClean="0"/>
               <a:pPr/>
-              <a:t>11/29/10</a:t>
+              <a:t>4/11/2011</a:t>
             </a:fld>
             <a:endParaRPr lang="en-US"/>
           </a:p>
@@ -285,7 +285,7 @@
     </p:spTree>
     <p:extLst>
       <p:ext uri="{BB962C8B-B14F-4D97-AF65-F5344CB8AC3E}">
-        <p14:creationId xmlns:mc="http://schemas.openxmlformats.org/markup-compatibility/2006" xmlns:mv="urn:schemas-microsoft-com:mac:vml" xmlns:p14="http://schemas.microsoft.com/office/powerpoint/2010/main" xmlns:p="http://schemas.openxmlformats.org/presentationml/2006/main" xmlns:r="http://schemas.openxmlformats.org/officeDocument/2006/relationships" xmlns:a="http://schemas.openxmlformats.org/drawingml/2006/main" xmlns="" val="4188242058"/>
+        <p14:creationId xmlns:p14="http://schemas.microsoft.com/office/powerpoint/2010/main" val="4188242058"/>
       </p:ext>
     </p:extLst>
   </p:cSld>
@@ -295,7 +295,7 @@
 </file>
 
 <file path=ppt/notesMasters/notesMaster1.xml><?xml version="1.0" encoding="utf-8"?>
-<p:notesMaster xmlns:a="http://schemas.openxmlformats.org/drawingml/2006/main" xmlns:r="http://schemas.openxmlformats.org/officeDocument/2006/relationships" xmlns:mc="http://schemas.openxmlformats.org/markup-compatibility/2006" xmlns:mv="urn:schemas-microsoft-com:mac:vml" xmlns:p="http://schemas.openxmlformats.org/presentationml/2006/main" mc:Ignorable="mv" mc:PreserveAttributes="mv:*">
+<p:notesMaster xmlns:a="http://schemas.openxmlformats.org/drawingml/2006/main" xmlns:r="http://schemas.openxmlformats.org/officeDocument/2006/relationships" xmlns:p="http://schemas.openxmlformats.org/presentationml/2006/main">
   <p:cSld>
     <p:bg>
       <p:bgRef idx="1001">
@@ -377,7 +377,7 @@
             <a:fld id="{19F24AD4-A78B-B645-8B43-825B1EB2901C}" type="datetimeFigureOut">
               <a:rPr lang="en-US" smtClean="0"/>
               <a:pPr/>
-              <a:t>11/29/10</a:t>
+              <a:t>4/11/2011</a:t>
             </a:fld>
             <a:endParaRPr lang="en-US"/>
           </a:p>
@@ -548,7 +548,7 @@
     </p:spTree>
     <p:extLst>
       <p:ext uri="{BB962C8B-B14F-4D97-AF65-F5344CB8AC3E}">
-        <p14:creationId xmlns:mc="http://schemas.openxmlformats.org/markup-compatibility/2006" xmlns:mv="urn:schemas-microsoft-com:mac:vml" xmlns:p14="http://schemas.microsoft.com/office/powerpoint/2010/main" xmlns:p="http://schemas.openxmlformats.org/presentationml/2006/main" xmlns:r="http://schemas.openxmlformats.org/officeDocument/2006/relationships" xmlns:a="http://schemas.openxmlformats.org/drawingml/2006/main" xmlns="" val="2951771260"/>
+        <p14:creationId xmlns:p14="http://schemas.microsoft.com/office/powerpoint/2010/main" val="2951771260"/>
       </p:ext>
     </p:extLst>
   </p:cSld>
@@ -650,7 +650,7 @@
 </file>
 
 <file path=ppt/notesSlides/notesSlide1.xml><?xml version="1.0" encoding="utf-8"?>
-<p:notes xmlns:a="http://schemas.openxmlformats.org/drawingml/2006/main" xmlns:r="http://schemas.openxmlformats.org/officeDocument/2006/relationships" xmlns:mc="http://schemas.openxmlformats.org/markup-compatibility/2006" xmlns:mv="urn:schemas-microsoft-com:mac:vml" xmlns:p="http://schemas.openxmlformats.org/presentationml/2006/main" mc:Ignorable="mv" mc:PreserveAttributes="mv:*">
+<p:notes xmlns:a="http://schemas.openxmlformats.org/drawingml/2006/main" xmlns:r="http://schemas.openxmlformats.org/officeDocument/2006/relationships" xmlns:p="http://schemas.openxmlformats.org/presentationml/2006/main">
   <p:cSld>
     <p:spTree>
       <p:nvGrpSpPr>
@@ -732,7 +732,7 @@
 </file>
 
 <file path=ppt/slideLayouts/slideLayout1.xml><?xml version="1.0" encoding="utf-8"?>
-<p:sldLayout xmlns:a="http://schemas.openxmlformats.org/drawingml/2006/main" xmlns:r="http://schemas.openxmlformats.org/officeDocument/2006/relationships" xmlns:mc="http://schemas.openxmlformats.org/markup-compatibility/2006" xmlns:mv="urn:schemas-microsoft-com:mac:vml" xmlns:p="http://schemas.openxmlformats.org/presentationml/2006/main" mc:Ignorable="mv" mc:PreserveAttributes="mv:*" preserve="1" userDrawn="1">
+<p:sldLayout xmlns:a="http://schemas.openxmlformats.org/drawingml/2006/main" xmlns:r="http://schemas.openxmlformats.org/officeDocument/2006/relationships" xmlns:p="http://schemas.openxmlformats.org/presentationml/2006/main" preserve="1" userDrawn="1">
   <p:cSld name="Title Slide">
     <p:spTree>
       <p:nvGrpSpPr>
@@ -918,7 +918,7 @@
             <a:fld id="{ADB8239A-D789-5443-937F-338E3AE3D41C}" type="datetime1">
               <a:rPr lang="en-US" smtClean="0"/>
               <a:pPr/>
-              <a:t>11/29/10</a:t>
+              <a:t>4/11/2011</a:t>
             </a:fld>
             <a:endParaRPr lang="en-US"/>
           </a:p>
@@ -957,7 +957,7 @@
 </file>
 
 <file path=ppt/slideLayouts/slideLayout10.xml><?xml version="1.0" encoding="utf-8"?>
-<p:sldLayout xmlns:a="http://schemas.openxmlformats.org/drawingml/2006/main" xmlns:r="http://schemas.openxmlformats.org/officeDocument/2006/relationships" xmlns:mc="http://schemas.openxmlformats.org/markup-compatibility/2006" xmlns:mv="urn:schemas-microsoft-com:mac:vml" xmlns:p="http://schemas.openxmlformats.org/presentationml/2006/main" mc:Ignorable="mv" mc:PreserveAttributes="mv:*" type="picTx" preserve="1">
+<p:sldLayout xmlns:a="http://schemas.openxmlformats.org/drawingml/2006/main" xmlns:r="http://schemas.openxmlformats.org/officeDocument/2006/relationships" xmlns:p="http://schemas.openxmlformats.org/presentationml/2006/main" type="picTx" preserve="1">
   <p:cSld name="Picture with Caption">
     <p:spTree>
       <p:nvGrpSpPr>
@@ -1222,7 +1222,7 @@
             <a:fld id="{459EC1CE-E98D-704D-AD6F-6E3323A36483}" type="datetime1">
               <a:rPr lang="en-US" smtClean="0"/>
               <a:pPr/>
-              <a:t>11/29/10</a:t>
+              <a:t>4/11/2011</a:t>
             </a:fld>
             <a:endParaRPr lang="en-US"/>
           </a:p>
@@ -1280,7 +1280,7 @@
 </file>
 
 <file path=ppt/slideLayouts/slideLayout11.xml><?xml version="1.0" encoding="utf-8"?>
-<p:sldLayout xmlns:a="http://schemas.openxmlformats.org/drawingml/2006/main" xmlns:r="http://schemas.openxmlformats.org/officeDocument/2006/relationships" xmlns:mc="http://schemas.openxmlformats.org/markup-compatibility/2006" xmlns:mv="urn:schemas-microsoft-com:mac:vml" xmlns:p="http://schemas.openxmlformats.org/presentationml/2006/main" mc:Ignorable="mv" mc:PreserveAttributes="mv:*" preserve="1">
+<p:sldLayout xmlns:a="http://schemas.openxmlformats.org/drawingml/2006/main" xmlns:r="http://schemas.openxmlformats.org/officeDocument/2006/relationships" xmlns:p="http://schemas.openxmlformats.org/presentationml/2006/main" preserve="1">
   <p:cSld name="Picture above Caption">
     <p:spTree>
       <p:nvGrpSpPr>
@@ -1498,7 +1498,7 @@
             <a:fld id="{23E692A5-8B3E-1949-B0CC-6F0593ACFA8E}" type="datetime1">
               <a:rPr lang="en-US" smtClean="0"/>
               <a:pPr/>
-              <a:t>11/29/10</a:t>
+              <a:t>4/11/2011</a:t>
             </a:fld>
             <a:endParaRPr lang="en-US"/>
           </a:p>
@@ -1567,7 +1567,7 @@
 </file>
 
 <file path=ppt/slideLayouts/slideLayout12.xml><?xml version="1.0" encoding="utf-8"?>
-<p:sldLayout xmlns:a="http://schemas.openxmlformats.org/drawingml/2006/main" xmlns:r="http://schemas.openxmlformats.org/officeDocument/2006/relationships" xmlns:mc="http://schemas.openxmlformats.org/markup-compatibility/2006" xmlns:mv="urn:schemas-microsoft-com:mac:vml" xmlns:p="http://schemas.openxmlformats.org/presentationml/2006/main" mc:Ignorable="mv" mc:PreserveAttributes="mv:*" preserve="1">
+<p:sldLayout xmlns:a="http://schemas.openxmlformats.org/drawingml/2006/main" xmlns:r="http://schemas.openxmlformats.org/officeDocument/2006/relationships" xmlns:p="http://schemas.openxmlformats.org/presentationml/2006/main" preserve="1">
   <p:cSld name="2 Pictures with Caption">
     <p:spTree>
       <p:nvGrpSpPr>
@@ -1790,7 +1790,7 @@
             <a:fld id="{C381DA14-A3C0-9C42-96F2-BEE3D5DE963D}" type="datetime1">
               <a:rPr lang="en-US" smtClean="0"/>
               <a:pPr/>
-              <a:t>11/29/10</a:t>
+              <a:t>4/11/2011</a:t>
             </a:fld>
             <a:endParaRPr lang="en-US"/>
           </a:p>
@@ -1894,7 +1894,7 @@
 </file>
 
 <file path=ppt/slideLayouts/slideLayout13.xml><?xml version="1.0" encoding="utf-8"?>
-<p:sldLayout xmlns:a="http://schemas.openxmlformats.org/drawingml/2006/main" xmlns:r="http://schemas.openxmlformats.org/officeDocument/2006/relationships" xmlns:mc="http://schemas.openxmlformats.org/markup-compatibility/2006" xmlns:mv="urn:schemas-microsoft-com:mac:vml" xmlns:p="http://schemas.openxmlformats.org/presentationml/2006/main" mc:Ignorable="mv" mc:PreserveAttributes="mv:*" preserve="1">
+<p:sldLayout xmlns:a="http://schemas.openxmlformats.org/drawingml/2006/main" xmlns:r="http://schemas.openxmlformats.org/officeDocument/2006/relationships" xmlns:p="http://schemas.openxmlformats.org/presentationml/2006/main" preserve="1">
   <p:cSld name="3 Pictures with Caption">
     <p:spTree>
       <p:nvGrpSpPr>
@@ -2117,7 +2117,7 @@
             <a:fld id="{33319320-9A5F-694B-B7B5-C734EC93AAA2}" type="datetime1">
               <a:rPr lang="en-US" smtClean="0"/>
               <a:pPr/>
-              <a:t>11/29/10</a:t>
+              <a:t>4/11/2011</a:t>
             </a:fld>
             <a:endParaRPr lang="en-US"/>
           </a:p>
@@ -2256,7 +2256,7 @@
 </file>
 
 <file path=ppt/slideLayouts/slideLayout14.xml><?xml version="1.0" encoding="utf-8"?>
-<p:sldLayout xmlns:a="http://schemas.openxmlformats.org/drawingml/2006/main" xmlns:r="http://schemas.openxmlformats.org/officeDocument/2006/relationships" xmlns:mc="http://schemas.openxmlformats.org/markup-compatibility/2006" xmlns:mv="urn:schemas-microsoft-com:mac:vml" xmlns:p="http://schemas.openxmlformats.org/presentationml/2006/main" mc:Ignorable="mv" mc:PreserveAttributes="mv:*" type="vertTx" preserve="1">
+<p:sldLayout xmlns:a="http://schemas.openxmlformats.org/drawingml/2006/main" xmlns:r="http://schemas.openxmlformats.org/officeDocument/2006/relationships" xmlns:p="http://schemas.openxmlformats.org/presentationml/2006/main" type="vertTx" preserve="1">
   <p:cSld name="Title and Vertical Text">
     <p:spTree>
       <p:nvGrpSpPr>
@@ -2365,7 +2365,7 @@
             <a:fld id="{CF6CE397-A6E6-7547-B24A-92BB5049E0F2}" type="datetime1">
               <a:rPr lang="en-US" smtClean="0"/>
               <a:pPr/>
-              <a:t>11/29/10</a:t>
+              <a:t>4/11/2011</a:t>
             </a:fld>
             <a:endParaRPr lang="en-US"/>
           </a:p>
@@ -2423,7 +2423,7 @@
 </file>
 
 <file path=ppt/slideLayouts/slideLayout15.xml><?xml version="1.0" encoding="utf-8"?>
-<p:sldLayout xmlns:a="http://schemas.openxmlformats.org/drawingml/2006/main" xmlns:r="http://schemas.openxmlformats.org/officeDocument/2006/relationships" xmlns:mc="http://schemas.openxmlformats.org/markup-compatibility/2006" xmlns:mv="urn:schemas-microsoft-com:mac:vml" xmlns:p="http://schemas.openxmlformats.org/presentationml/2006/main" mc:Ignorable="mv" mc:PreserveAttributes="mv:*" type="vertTitleAndTx" preserve="1">
+<p:sldLayout xmlns:a="http://schemas.openxmlformats.org/drawingml/2006/main" xmlns:r="http://schemas.openxmlformats.org/officeDocument/2006/relationships" xmlns:p="http://schemas.openxmlformats.org/presentationml/2006/main" type="vertTitleAndTx" preserve="1">
   <p:cSld name="Vertical Title and Text">
     <p:spTree>
       <p:nvGrpSpPr>
@@ -2542,7 +2542,7 @@
             <a:fld id="{27AB7D46-BD5E-E641-9118-DCE28F3B83FA}" type="datetime1">
               <a:rPr lang="en-US" smtClean="0"/>
               <a:pPr/>
-              <a:t>11/29/10</a:t>
+              <a:t>4/11/2011</a:t>
             </a:fld>
             <a:endParaRPr lang="en-US"/>
           </a:p>
@@ -2600,7 +2600,7 @@
 </file>
 
 <file path=ppt/slideLayouts/slideLayout2.xml><?xml version="1.0" encoding="utf-8"?>
-<p:sldLayout xmlns:a="http://schemas.openxmlformats.org/drawingml/2006/main" xmlns:r="http://schemas.openxmlformats.org/officeDocument/2006/relationships" xmlns:mc="http://schemas.openxmlformats.org/markup-compatibility/2006" xmlns:mv="urn:schemas-microsoft-com:mac:vml" xmlns:p="http://schemas.openxmlformats.org/presentationml/2006/main" mc:Ignorable="mv" mc:PreserveAttributes="mv:*" type="obj" preserve="1">
+<p:sldLayout xmlns:a="http://schemas.openxmlformats.org/drawingml/2006/main" xmlns:r="http://schemas.openxmlformats.org/officeDocument/2006/relationships" xmlns:p="http://schemas.openxmlformats.org/presentationml/2006/main" type="obj" preserve="1">
   <p:cSld name="Title and Content">
     <p:spTree>
       <p:nvGrpSpPr>
@@ -2794,7 +2794,7 @@
             <a:fld id="{BC26097E-015C-3B4D-86C1-CD2AD30F0B81}" type="datetime1">
               <a:rPr lang="en-US" smtClean="0"/>
               <a:pPr/>
-              <a:t>11/29/10</a:t>
+              <a:t>4/11/2011</a:t>
             </a:fld>
             <a:endParaRPr lang="en-US"/>
           </a:p>
@@ -2857,7 +2857,7 @@
 </file>
 
 <file path=ppt/slideLayouts/slideLayout3.xml><?xml version="1.0" encoding="utf-8"?>
-<p:sldLayout xmlns:a="http://schemas.openxmlformats.org/drawingml/2006/main" xmlns:r="http://schemas.openxmlformats.org/officeDocument/2006/relationships" xmlns:mc="http://schemas.openxmlformats.org/markup-compatibility/2006" xmlns:mv="urn:schemas-microsoft-com:mac:vml" xmlns:p="http://schemas.openxmlformats.org/presentationml/2006/main" mc:Ignorable="mv" mc:PreserveAttributes="mv:*" preserve="1">
+<p:sldLayout xmlns:a="http://schemas.openxmlformats.org/drawingml/2006/main" xmlns:r="http://schemas.openxmlformats.org/officeDocument/2006/relationships" xmlns:p="http://schemas.openxmlformats.org/presentationml/2006/main" preserve="1">
   <p:cSld name="Title Slide with Picture">
     <p:spTree>
       <p:nvGrpSpPr>
@@ -3070,7 +3070,7 @@
             <a:fld id="{ED6649F4-2545-3040-B7BD-803CA59D50C7}" type="datetime1">
               <a:rPr lang="en-US" smtClean="0"/>
               <a:pPr/>
-              <a:t>11/29/10</a:t>
+              <a:t>4/11/2011</a:t>
             </a:fld>
             <a:endParaRPr lang="en-US"/>
           </a:p>
@@ -3139,7 +3139,7 @@
 </file>
 
 <file path=ppt/slideLayouts/slideLayout4.xml><?xml version="1.0" encoding="utf-8"?>
-<p:sldLayout xmlns:a="http://schemas.openxmlformats.org/drawingml/2006/main" xmlns:r="http://schemas.openxmlformats.org/officeDocument/2006/relationships" xmlns:mc="http://schemas.openxmlformats.org/markup-compatibility/2006" xmlns:mv="urn:schemas-microsoft-com:mac:vml" xmlns:p="http://schemas.openxmlformats.org/presentationml/2006/main" mc:Ignorable="mv" mc:PreserveAttributes="mv:*" type="secHead" preserve="1">
+<p:sldLayout xmlns:a="http://schemas.openxmlformats.org/drawingml/2006/main" xmlns:r="http://schemas.openxmlformats.org/officeDocument/2006/relationships" xmlns:p="http://schemas.openxmlformats.org/presentationml/2006/main" type="secHead" preserve="1">
   <p:cSld name="Section Header">
     <p:spTree>
       <p:nvGrpSpPr>
@@ -3378,7 +3378,7 @@
             <a:fld id="{833A9088-CEDD-2F48-A9A0-611A3CC03FE9}" type="datetime1">
               <a:rPr lang="en-US" smtClean="0"/>
               <a:pPr/>
-              <a:t>11/29/10</a:t>
+              <a:t>4/11/2011</a:t>
             </a:fld>
             <a:endParaRPr lang="en-US"/>
           </a:p>
@@ -3436,7 +3436,7 @@
 </file>
 
 <file path=ppt/slideLayouts/slideLayout5.xml><?xml version="1.0" encoding="utf-8"?>
-<p:sldLayout xmlns:a="http://schemas.openxmlformats.org/drawingml/2006/main" xmlns:r="http://schemas.openxmlformats.org/officeDocument/2006/relationships" xmlns:mc="http://schemas.openxmlformats.org/markup-compatibility/2006" xmlns:mv="urn:schemas-microsoft-com:mac:vml" xmlns:p="http://schemas.openxmlformats.org/presentationml/2006/main" mc:Ignorable="mv" mc:PreserveAttributes="mv:*" type="twoObj" preserve="1">
+<p:sldLayout xmlns:a="http://schemas.openxmlformats.org/drawingml/2006/main" xmlns:r="http://schemas.openxmlformats.org/officeDocument/2006/relationships" xmlns:p="http://schemas.openxmlformats.org/presentationml/2006/main" type="twoObj" preserve="1">
   <p:cSld name="Two Content">
     <p:spTree>
       <p:nvGrpSpPr>
@@ -3672,7 +3672,7 @@
             <a:fld id="{AED87ACF-EB3C-EA42-8610-542FB50388EB}" type="datetime1">
               <a:rPr lang="en-US" smtClean="0"/>
               <a:pPr/>
-              <a:t>11/29/10</a:t>
+              <a:t>4/11/2011</a:t>
             </a:fld>
             <a:endParaRPr lang="en-US"/>
           </a:p>
@@ -3730,7 +3730,7 @@
 </file>
 
 <file path=ppt/slideLayouts/slideLayout6.xml><?xml version="1.0" encoding="utf-8"?>
-<p:sldLayout xmlns:a="http://schemas.openxmlformats.org/drawingml/2006/main" xmlns:r="http://schemas.openxmlformats.org/officeDocument/2006/relationships" xmlns:mc="http://schemas.openxmlformats.org/markup-compatibility/2006" xmlns:mv="urn:schemas-microsoft-com:mac:vml" xmlns:p="http://schemas.openxmlformats.org/presentationml/2006/main" mc:Ignorable="mv" mc:PreserveAttributes="mv:*" type="twoTxTwoObj" preserve="1">
+<p:sldLayout xmlns:a="http://schemas.openxmlformats.org/drawingml/2006/main" xmlns:r="http://schemas.openxmlformats.org/officeDocument/2006/relationships" xmlns:p="http://schemas.openxmlformats.org/presentationml/2006/main" type="twoTxTwoObj" preserve="1">
   <p:cSld name="Comparison">
     <p:spTree>
       <p:nvGrpSpPr>
@@ -4104,7 +4104,7 @@
             <a:fld id="{0E0DC31B-692F-774E-A937-DA560DE61DA8}" type="datetime1">
               <a:rPr lang="en-US" smtClean="0"/>
               <a:pPr/>
-              <a:t>11/29/10</a:t>
+              <a:t>4/11/2011</a:t>
             </a:fld>
             <a:endParaRPr lang="en-US"/>
           </a:p>
@@ -4395,7 +4395,7 @@
 </file>
 
 <file path=ppt/slideLayouts/slideLayout7.xml><?xml version="1.0" encoding="utf-8"?>
-<p:sldLayout xmlns:a="http://schemas.openxmlformats.org/drawingml/2006/main" xmlns:r="http://schemas.openxmlformats.org/officeDocument/2006/relationships" xmlns:mc="http://schemas.openxmlformats.org/markup-compatibility/2006" xmlns:mv="urn:schemas-microsoft-com:mac:vml" xmlns:p="http://schemas.openxmlformats.org/presentationml/2006/main" mc:Ignorable="mv" mc:PreserveAttributes="mv:*" type="titleOnly" preserve="1">
+<p:sldLayout xmlns:a="http://schemas.openxmlformats.org/drawingml/2006/main" xmlns:r="http://schemas.openxmlformats.org/officeDocument/2006/relationships" xmlns:p="http://schemas.openxmlformats.org/presentationml/2006/main" type="titleOnly" preserve="1">
   <p:cSld name="Title Only">
     <p:spTree>
       <p:nvGrpSpPr>
@@ -4452,7 +4452,7 @@
             <a:fld id="{95DEFDAE-5BDC-1B4F-BC4C-23C867CEBC21}" type="datetime1">
               <a:rPr lang="en-US" smtClean="0"/>
               <a:pPr/>
-              <a:t>11/29/10</a:t>
+              <a:t>4/11/2011</a:t>
             </a:fld>
             <a:endParaRPr lang="en-US"/>
           </a:p>
@@ -4510,7 +4510,7 @@
 </file>
 
 <file path=ppt/slideLayouts/slideLayout8.xml><?xml version="1.0" encoding="utf-8"?>
-<p:sldLayout xmlns:a="http://schemas.openxmlformats.org/drawingml/2006/main" xmlns:r="http://schemas.openxmlformats.org/officeDocument/2006/relationships" xmlns:mc="http://schemas.openxmlformats.org/markup-compatibility/2006" xmlns:mv="urn:schemas-microsoft-com:mac:vml" xmlns:p="http://schemas.openxmlformats.org/presentationml/2006/main" mc:Ignorable="mv" mc:PreserveAttributes="mv:*" type="blank" preserve="1">
+<p:sldLayout xmlns:a="http://schemas.openxmlformats.org/drawingml/2006/main" xmlns:r="http://schemas.openxmlformats.org/officeDocument/2006/relationships" xmlns:p="http://schemas.openxmlformats.org/presentationml/2006/main" type="blank" preserve="1">
   <p:cSld name="Blank">
     <p:spTree>
       <p:nvGrpSpPr>
@@ -4544,7 +4544,7 @@
             <a:fld id="{9F53C516-787B-9A45-AFCF-5D75DD78DEBE}" type="datetime1">
               <a:rPr lang="en-US" smtClean="0"/>
               <a:pPr/>
-              <a:t>11/29/10</a:t>
+              <a:t>4/11/2011</a:t>
             </a:fld>
             <a:endParaRPr lang="en-US"/>
           </a:p>
@@ -4602,7 +4602,7 @@
 </file>
 
 <file path=ppt/slideLayouts/slideLayout9.xml><?xml version="1.0" encoding="utf-8"?>
-<p:sldLayout xmlns:a="http://schemas.openxmlformats.org/drawingml/2006/main" xmlns:r="http://schemas.openxmlformats.org/officeDocument/2006/relationships" xmlns:mc="http://schemas.openxmlformats.org/markup-compatibility/2006" xmlns:mv="urn:schemas-microsoft-com:mac:vml" xmlns:p="http://schemas.openxmlformats.org/presentationml/2006/main" mc:Ignorable="mv" mc:PreserveAttributes="mv:*" type="objTx" preserve="1">
+<p:sldLayout xmlns:a="http://schemas.openxmlformats.org/drawingml/2006/main" xmlns:r="http://schemas.openxmlformats.org/officeDocument/2006/relationships" xmlns:p="http://schemas.openxmlformats.org/presentationml/2006/main" type="objTx" preserve="1">
   <p:cSld name="Content with Caption">
     <p:spTree>
       <p:nvGrpSpPr>
@@ -4883,7 +4883,7 @@
             <a:fld id="{F19CAA94-9393-BB4A-8CB6-008B1351A132}" type="datetime1">
               <a:rPr lang="en-US" smtClean="0"/>
               <a:pPr/>
-              <a:t>11/29/10</a:t>
+              <a:t>4/11/2011</a:t>
             </a:fld>
             <a:endParaRPr lang="en-US"/>
           </a:p>
@@ -4941,7 +4941,7 @@
 </file>
 
 <file path=ppt/slideMasters/slideMaster1.xml><?xml version="1.0" encoding="utf-8"?>
-<p:sldMaster xmlns:a="http://schemas.openxmlformats.org/drawingml/2006/main" xmlns:r="http://schemas.openxmlformats.org/officeDocument/2006/relationships" xmlns:mc="http://schemas.openxmlformats.org/markup-compatibility/2006" xmlns:mv="urn:schemas-microsoft-com:mac:vml" xmlns:p="http://schemas.openxmlformats.org/presentationml/2006/main" mc:Ignorable="mv" mc:PreserveAttributes="mv:*">
+<p:sldMaster xmlns:a="http://schemas.openxmlformats.org/drawingml/2006/main" xmlns:r="http://schemas.openxmlformats.org/officeDocument/2006/relationships" xmlns:p="http://schemas.openxmlformats.org/presentationml/2006/main">
   <p:cSld>
     <p:bg>
       <p:bgRef idx="1001">
@@ -5097,7 +5097,7 @@
             <a:fld id="{A3476A5E-2ED6-7749-A8C1-D0B1EEEB97E0}" type="datetime1">
               <a:rPr lang="en-US" smtClean="0"/>
               <a:pPr/>
-              <a:t>11/29/10</a:t>
+              <a:t>4/11/2011</a:t>
             </a:fld>
             <a:endParaRPr lang="en-US"/>
           </a:p>
@@ -5591,7 +5591,7 @@
 </file>
 
 <file path=ppt/slides/slide1.xml><?xml version="1.0" encoding="utf-8"?>
-<p:sld xmlns:a="http://schemas.openxmlformats.org/drawingml/2006/main" xmlns:r="http://schemas.openxmlformats.org/officeDocument/2006/relationships" xmlns:mc="http://schemas.openxmlformats.org/markup-compatibility/2006" xmlns:mv="urn:schemas-microsoft-com:mac:vml" xmlns:p="http://schemas.openxmlformats.org/presentationml/2006/main" mc:Ignorable="mv" mc:PreserveAttributes="mv:*">
+<p:sld xmlns:a="http://schemas.openxmlformats.org/drawingml/2006/main" xmlns:r="http://schemas.openxmlformats.org/officeDocument/2006/relationships" xmlns:p="http://schemas.openxmlformats.org/presentationml/2006/main">
   <p:cSld>
     <p:spTree>
       <p:nvGrpSpPr>
@@ -5652,7 +5652,15 @@
           <a:p>
             <a:r>
               <a:rPr lang="en-US" dirty="0" smtClean="0"/>
-              <a:t>SAGA Components: Installation and Deployment</a:t>
+              <a:t>SAGA Adaptor </a:t>
+            </a:r>
+            <a:r>
+              <a:rPr lang="en-US" smtClean="0"/>
+              <a:t>Writing Tutoria</a:t>
+            </a:r>
+            <a:r>
+              <a:rPr lang="en-US" smtClean="0"/>
+              <a:t>ls</a:t>
             </a:r>
             <a:endParaRPr lang="en-US" dirty="0"/>
           </a:p>
@@ -5768,7 +5776,7 @@
 </file>
 
 <file path=ppt/slides/slide10.xml><?xml version="1.0" encoding="utf-8"?>
-<p:sld xmlns:a="http://schemas.openxmlformats.org/drawingml/2006/main" xmlns:r="http://schemas.openxmlformats.org/officeDocument/2006/relationships" xmlns:mc="http://schemas.openxmlformats.org/markup-compatibility/2006" xmlns:mv="urn:schemas-microsoft-com:mac:vml" xmlns:p="http://schemas.openxmlformats.org/presentationml/2006/main" mc:Ignorable="mv" mc:PreserveAttributes="mv:*">
+<p:sld xmlns:a="http://schemas.openxmlformats.org/drawingml/2006/main" xmlns:r="http://schemas.openxmlformats.org/officeDocument/2006/relationships" xmlns:p="http://schemas.openxmlformats.org/presentationml/2006/main">
   <p:cSld>
     <p:spTree>
       <p:nvGrpSpPr>
@@ -5892,7 +5900,7 @@
 </file>
 
 <file path=ppt/slides/slide11.xml><?xml version="1.0" encoding="utf-8"?>
-<p:sld xmlns:a="http://schemas.openxmlformats.org/drawingml/2006/main" xmlns:r="http://schemas.openxmlformats.org/officeDocument/2006/relationships" xmlns:mc="http://schemas.openxmlformats.org/markup-compatibility/2006" xmlns:mv="urn:schemas-microsoft-com:mac:vml" xmlns:p="http://schemas.openxmlformats.org/presentationml/2006/main" mc:Ignorable="mv" mc:PreserveAttributes="mv:*">
+<p:sld xmlns:a="http://schemas.openxmlformats.org/drawingml/2006/main" xmlns:r="http://schemas.openxmlformats.org/officeDocument/2006/relationships" xmlns:p="http://schemas.openxmlformats.org/presentationml/2006/main">
   <p:cSld>
     <p:spTree>
       <p:nvGrpSpPr>
@@ -6027,7 +6035,7 @@
 </file>
 
 <file path=ppt/slides/slide12.xml><?xml version="1.0" encoding="utf-8"?>
-<p:sld xmlns:a="http://schemas.openxmlformats.org/drawingml/2006/main" xmlns:r="http://schemas.openxmlformats.org/officeDocument/2006/relationships" xmlns:mc="http://schemas.openxmlformats.org/markup-compatibility/2006" xmlns:mv="urn:schemas-microsoft-com:mac:vml" xmlns:p="http://schemas.openxmlformats.org/presentationml/2006/main" mc:Ignorable="mv" mc:PreserveAttributes="mv:*">
+<p:sld xmlns:a="http://schemas.openxmlformats.org/drawingml/2006/main" xmlns:r="http://schemas.openxmlformats.org/officeDocument/2006/relationships" xmlns:p="http://schemas.openxmlformats.org/presentationml/2006/main">
   <p:cSld>
     <p:spTree>
       <p:nvGrpSpPr>
@@ -6189,7 +6197,7 @@
 </file>
 
 <file path=ppt/slides/slide13.xml><?xml version="1.0" encoding="utf-8"?>
-<p:sld xmlns:a="http://schemas.openxmlformats.org/drawingml/2006/main" xmlns:r="http://schemas.openxmlformats.org/officeDocument/2006/relationships" xmlns:mc="http://schemas.openxmlformats.org/markup-compatibility/2006" xmlns:mv="urn:schemas-microsoft-com:mac:vml" xmlns:p="http://schemas.openxmlformats.org/presentationml/2006/main" mc:Ignorable="mv" mc:PreserveAttributes="mv:*">
+<p:sld xmlns:a="http://schemas.openxmlformats.org/drawingml/2006/main" xmlns:r="http://schemas.openxmlformats.org/officeDocument/2006/relationships" xmlns:p="http://schemas.openxmlformats.org/presentationml/2006/main">
   <p:cSld>
     <p:spTree>
       <p:nvGrpSpPr>
@@ -6322,7 +6330,7 @@
 </file>
 
 <file path=ppt/slides/slide14.xml><?xml version="1.0" encoding="utf-8"?>
-<p:sld xmlns:a="http://schemas.openxmlformats.org/drawingml/2006/main" xmlns:r="http://schemas.openxmlformats.org/officeDocument/2006/relationships" xmlns:mc="http://schemas.openxmlformats.org/markup-compatibility/2006" xmlns:mv="urn:schemas-microsoft-com:mac:vml" xmlns:p="http://schemas.openxmlformats.org/presentationml/2006/main" mc:Ignorable="mv" mc:PreserveAttributes="mv:*">
+<p:sld xmlns:a="http://schemas.openxmlformats.org/drawingml/2006/main" xmlns:r="http://schemas.openxmlformats.org/officeDocument/2006/relationships" xmlns:p="http://schemas.openxmlformats.org/presentationml/2006/main">
   <p:cSld>
     <p:spTree>
       <p:nvGrpSpPr>
@@ -6431,7 +6439,7 @@
 </file>
 
 <file path=ppt/slides/slide2.xml><?xml version="1.0" encoding="utf-8"?>
-<p:sld xmlns:a="http://schemas.openxmlformats.org/drawingml/2006/main" xmlns:r="http://schemas.openxmlformats.org/officeDocument/2006/relationships" xmlns:mc="http://schemas.openxmlformats.org/markup-compatibility/2006" xmlns:mv="urn:schemas-microsoft-com:mac:vml" xmlns:p="http://schemas.openxmlformats.org/presentationml/2006/main" mc:Ignorable="mv" mc:PreserveAttributes="mv:*">
+<p:sld xmlns:a="http://schemas.openxmlformats.org/drawingml/2006/main" xmlns:r="http://schemas.openxmlformats.org/officeDocument/2006/relationships" xmlns:p="http://schemas.openxmlformats.org/presentationml/2006/main">
   <p:cSld>
     <p:spTree>
       <p:nvGrpSpPr>
@@ -6569,7 +6577,7 @@
 </file>
 
 <file path=ppt/slides/slide3.xml><?xml version="1.0" encoding="utf-8"?>
-<p:sld xmlns:a="http://schemas.openxmlformats.org/drawingml/2006/main" xmlns:r="http://schemas.openxmlformats.org/officeDocument/2006/relationships" xmlns:mc="http://schemas.openxmlformats.org/markup-compatibility/2006" xmlns:mv="urn:schemas-microsoft-com:mac:vml" xmlns:p="http://schemas.openxmlformats.org/presentationml/2006/main" mc:Ignorable="mv" mc:PreserveAttributes="mv:*">
+<p:sld xmlns:a="http://schemas.openxmlformats.org/drawingml/2006/main" xmlns:r="http://schemas.openxmlformats.org/officeDocument/2006/relationships" xmlns:p="http://schemas.openxmlformats.org/presentationml/2006/main">
   <p:cSld>
     <p:spTree>
       <p:nvGrpSpPr>
@@ -6616,8 +6624,8 @@
           </p:cNvPicPr>
           <p:nvPr/>
         </p:nvPicPr>
-        <mc:AlternateContent>
-          <mc:Choice xmlns:ma="http://schemas.microsoft.com/office/mac/drawingml/2008/main" Requires="ma">
+        <mc:AlternateContent xmlns:mc="http://schemas.openxmlformats.org/markup-compatibility/2006">
+          <mc:Choice xmlns:ma="http://schemas.microsoft.com/office/mac/drawingml/2008/main" xmlns:mv="urn:schemas-microsoft-com:mac:vml" xmlns="" Requires="ma">
             <p:blipFill>
               <a:blip r:embed="rId2"/>
               <a:stretch>
@@ -6697,7 +6705,7 @@
 </file>
 
 <file path=ppt/slides/slide4.xml><?xml version="1.0" encoding="utf-8"?>
-<p:sld xmlns:a="http://schemas.openxmlformats.org/drawingml/2006/main" xmlns:r="http://schemas.openxmlformats.org/officeDocument/2006/relationships" xmlns:mc="http://schemas.openxmlformats.org/markup-compatibility/2006" xmlns:mv="urn:schemas-microsoft-com:mac:vml" xmlns:p="http://schemas.openxmlformats.org/presentationml/2006/main" mc:Ignorable="mv" mc:PreserveAttributes="mv:*">
+<p:sld xmlns:a="http://schemas.openxmlformats.org/drawingml/2006/main" xmlns:r="http://schemas.openxmlformats.org/officeDocument/2006/relationships" xmlns:p="http://schemas.openxmlformats.org/presentationml/2006/main">
   <p:cSld>
     <p:spTree>
       <p:nvGrpSpPr>
@@ -6854,16 +6862,11 @@
               <a:rPr lang="en-US" dirty="0" smtClean="0"/>
               <a:t>, RLS)</a:t>
             </a:r>
-            <a:endParaRPr lang="en-US" dirty="0" smtClean="0"/>
-          </a:p>
-          <a:p>
-            <a:r>
-              <a:rPr lang="en-US" dirty="0" smtClean="0"/>
-              <a:t>saga</a:t>
-            </a:r>
-            <a:r>
-              <a:rPr lang="en-US" dirty="0" smtClean="0"/>
-              <a:t>-adaptors-</a:t>
+          </a:p>
+          <a:p>
+            <a:r>
+              <a:rPr lang="en-US" dirty="0" smtClean="0"/>
+              <a:t>saga-adaptors-</a:t>
             </a:r>
             <a:r>
               <a:rPr lang="en-US" b="1" dirty="0" err="1" smtClean="0"/>
@@ -6890,7 +6893,7 @@
 </file>
 
 <file path=ppt/slides/slide5.xml><?xml version="1.0" encoding="utf-8"?>
-<p:sld xmlns:a="http://schemas.openxmlformats.org/drawingml/2006/main" xmlns:r="http://schemas.openxmlformats.org/officeDocument/2006/relationships" xmlns:mc="http://schemas.openxmlformats.org/markup-compatibility/2006" xmlns:mv="urn:schemas-microsoft-com:mac:vml" xmlns:p="http://schemas.openxmlformats.org/presentationml/2006/main" mc:Ignorable="mv" mc:PreserveAttributes="mv:*">
+<p:sld xmlns:a="http://schemas.openxmlformats.org/drawingml/2006/main" xmlns:r="http://schemas.openxmlformats.org/officeDocument/2006/relationships" xmlns:p="http://schemas.openxmlformats.org/presentationml/2006/main">
   <p:cSld>
     <p:spTree>
       <p:nvGrpSpPr>
@@ -7165,7 +7168,7 @@
 </file>
 
 <file path=ppt/slides/slide6.xml><?xml version="1.0" encoding="utf-8"?>
-<p:sld xmlns:a="http://schemas.openxmlformats.org/drawingml/2006/main" xmlns:r="http://schemas.openxmlformats.org/officeDocument/2006/relationships" xmlns:mc="http://schemas.openxmlformats.org/markup-compatibility/2006" xmlns:mv="urn:schemas-microsoft-com:mac:vml" xmlns:p="http://schemas.openxmlformats.org/presentationml/2006/main" mc:Ignorable="mv" mc:PreserveAttributes="mv:*">
+<p:sld xmlns:a="http://schemas.openxmlformats.org/drawingml/2006/main" xmlns:r="http://schemas.openxmlformats.org/officeDocument/2006/relationships" xmlns:p="http://schemas.openxmlformats.org/presentationml/2006/main">
   <p:cSld>
     <p:spTree>
       <p:nvGrpSpPr>
@@ -7453,7 +7456,7 @@
 </file>
 
 <file path=ppt/slides/slide7.xml><?xml version="1.0" encoding="utf-8"?>
-<p:sld xmlns:a="http://schemas.openxmlformats.org/drawingml/2006/main" xmlns:r="http://schemas.openxmlformats.org/officeDocument/2006/relationships" xmlns:mc="http://schemas.openxmlformats.org/markup-compatibility/2006" xmlns:mv="urn:schemas-microsoft-com:mac:vml" xmlns:p="http://schemas.openxmlformats.org/presentationml/2006/main" mc:Ignorable="mv" mc:PreserveAttributes="mv:*">
+<p:sld xmlns:a="http://schemas.openxmlformats.org/drawingml/2006/main" xmlns:r="http://schemas.openxmlformats.org/officeDocument/2006/relationships" xmlns:p="http://schemas.openxmlformats.org/presentationml/2006/main">
   <p:cSld>
     <p:spTree>
       <p:nvGrpSpPr>
@@ -7814,7 +7817,7 @@
 </file>
 
 <file path=ppt/slides/slide8.xml><?xml version="1.0" encoding="utf-8"?>
-<p:sld xmlns:a="http://schemas.openxmlformats.org/drawingml/2006/main" xmlns:r="http://schemas.openxmlformats.org/officeDocument/2006/relationships" xmlns:mc="http://schemas.openxmlformats.org/markup-compatibility/2006" xmlns:mv="urn:schemas-microsoft-com:mac:vml" xmlns:p="http://schemas.openxmlformats.org/presentationml/2006/main" mc:Ignorable="mv" mc:PreserveAttributes="mv:*">
+<p:sld xmlns:a="http://schemas.openxmlformats.org/drawingml/2006/main" xmlns:r="http://schemas.openxmlformats.org/officeDocument/2006/relationships" xmlns:p="http://schemas.openxmlformats.org/presentationml/2006/main">
   <p:cSld>
     <p:spTree>
       <p:nvGrpSpPr>
@@ -7944,7 +7947,7 @@
     </p:spTree>
     <p:extLst>
       <p:ext uri="{BB962C8B-B14F-4D97-AF65-F5344CB8AC3E}">
-        <p14:creationId xmlns:mc="http://schemas.openxmlformats.org/markup-compatibility/2006" xmlns:mv="urn:schemas-microsoft-com:mac:vml" xmlns:p14="http://schemas.microsoft.com/office/powerpoint/2010/main" xmlns:p="http://schemas.openxmlformats.org/presentationml/2006/main" xmlns:r="http://schemas.openxmlformats.org/officeDocument/2006/relationships" xmlns:a="http://schemas.openxmlformats.org/drawingml/2006/main" xmlns="" val="1068611830"/>
+        <p14:creationId xmlns:p14="http://schemas.microsoft.com/office/powerpoint/2010/main" val="1068611830"/>
       </p:ext>
     </p:extLst>
   </p:cSld>
@@ -7955,7 +7958,7 @@
 </file>
 
 <file path=ppt/slides/slide9.xml><?xml version="1.0" encoding="utf-8"?>
-<p:sld xmlns:a="http://schemas.openxmlformats.org/drawingml/2006/main" xmlns:r="http://schemas.openxmlformats.org/officeDocument/2006/relationships" xmlns:mc="http://schemas.openxmlformats.org/markup-compatibility/2006" xmlns:mv="urn:schemas-microsoft-com:mac:vml" xmlns:p="http://schemas.openxmlformats.org/presentationml/2006/main" mc:Ignorable="mv" mc:PreserveAttributes="mv:*">
+<p:sld xmlns:a="http://schemas.openxmlformats.org/drawingml/2006/main" xmlns:r="http://schemas.openxmlformats.org/officeDocument/2006/relationships" xmlns:p="http://schemas.openxmlformats.org/presentationml/2006/main">
   <p:cSld>
     <p:spTree>
       <p:nvGrpSpPr>

--- a/tutorial/EGI-2011/04_adaptors.pptx
+++ b/tutorial/EGI-2011/04_adaptors.pptx
@@ -209,7 +209,7 @@
             <a:fld id="{9A6AC4B2-6F12-454D-8DA7-7B9C78843B81}" type="datetimeFigureOut">
               <a:rPr lang="en-US" smtClean="0"/>
               <a:pPr/>
-              <a:t>4/11/2011</a:t>
+              <a:t>4/12/2011</a:t>
             </a:fld>
             <a:endParaRPr lang="en-US"/>
           </a:p>
@@ -377,7 +377,7 @@
             <a:fld id="{19F24AD4-A78B-B645-8B43-825B1EB2901C}" type="datetimeFigureOut">
               <a:rPr lang="en-US" smtClean="0"/>
               <a:pPr/>
-              <a:t>4/11/2011</a:t>
+              <a:t>4/12/2011</a:t>
             </a:fld>
             <a:endParaRPr lang="en-US"/>
           </a:p>
@@ -918,7 +918,7 @@
             <a:fld id="{ADB8239A-D789-5443-937F-338E3AE3D41C}" type="datetime1">
               <a:rPr lang="en-US" smtClean="0"/>
               <a:pPr/>
-              <a:t>4/11/2011</a:t>
+              <a:t>4/12/2011</a:t>
             </a:fld>
             <a:endParaRPr lang="en-US"/>
           </a:p>
@@ -1222,7 +1222,7 @@
             <a:fld id="{459EC1CE-E98D-704D-AD6F-6E3323A36483}" type="datetime1">
               <a:rPr lang="en-US" smtClean="0"/>
               <a:pPr/>
-              <a:t>4/11/2011</a:t>
+              <a:t>4/12/2011</a:t>
             </a:fld>
             <a:endParaRPr lang="en-US"/>
           </a:p>
@@ -1498,7 +1498,7 @@
             <a:fld id="{23E692A5-8B3E-1949-B0CC-6F0593ACFA8E}" type="datetime1">
               <a:rPr lang="en-US" smtClean="0"/>
               <a:pPr/>
-              <a:t>4/11/2011</a:t>
+              <a:t>4/12/2011</a:t>
             </a:fld>
             <a:endParaRPr lang="en-US"/>
           </a:p>
@@ -1790,7 +1790,7 @@
             <a:fld id="{C381DA14-A3C0-9C42-96F2-BEE3D5DE963D}" type="datetime1">
               <a:rPr lang="en-US" smtClean="0"/>
               <a:pPr/>
-              <a:t>4/11/2011</a:t>
+              <a:t>4/12/2011</a:t>
             </a:fld>
             <a:endParaRPr lang="en-US"/>
           </a:p>
@@ -2117,7 +2117,7 @@
             <a:fld id="{33319320-9A5F-694B-B7B5-C734EC93AAA2}" type="datetime1">
               <a:rPr lang="en-US" smtClean="0"/>
               <a:pPr/>
-              <a:t>4/11/2011</a:t>
+              <a:t>4/12/2011</a:t>
             </a:fld>
             <a:endParaRPr lang="en-US"/>
           </a:p>
@@ -2365,7 +2365,7 @@
             <a:fld id="{CF6CE397-A6E6-7547-B24A-92BB5049E0F2}" type="datetime1">
               <a:rPr lang="en-US" smtClean="0"/>
               <a:pPr/>
-              <a:t>4/11/2011</a:t>
+              <a:t>4/12/2011</a:t>
             </a:fld>
             <a:endParaRPr lang="en-US"/>
           </a:p>
@@ -2542,7 +2542,7 @@
             <a:fld id="{27AB7D46-BD5E-E641-9118-DCE28F3B83FA}" type="datetime1">
               <a:rPr lang="en-US" smtClean="0"/>
               <a:pPr/>
-              <a:t>4/11/2011</a:t>
+              <a:t>4/12/2011</a:t>
             </a:fld>
             <a:endParaRPr lang="en-US"/>
           </a:p>
@@ -2794,7 +2794,7 @@
             <a:fld id="{BC26097E-015C-3B4D-86C1-CD2AD30F0B81}" type="datetime1">
               <a:rPr lang="en-US" smtClean="0"/>
               <a:pPr/>
-              <a:t>4/11/2011</a:t>
+              <a:t>4/12/2011</a:t>
             </a:fld>
             <a:endParaRPr lang="en-US"/>
           </a:p>
@@ -3070,7 +3070,7 @@
             <a:fld id="{ED6649F4-2545-3040-B7BD-803CA59D50C7}" type="datetime1">
               <a:rPr lang="en-US" smtClean="0"/>
               <a:pPr/>
-              <a:t>4/11/2011</a:t>
+              <a:t>4/12/2011</a:t>
             </a:fld>
             <a:endParaRPr lang="en-US"/>
           </a:p>
@@ -3378,7 +3378,7 @@
             <a:fld id="{833A9088-CEDD-2F48-A9A0-611A3CC03FE9}" type="datetime1">
               <a:rPr lang="en-US" smtClean="0"/>
               <a:pPr/>
-              <a:t>4/11/2011</a:t>
+              <a:t>4/12/2011</a:t>
             </a:fld>
             <a:endParaRPr lang="en-US"/>
           </a:p>
@@ -3672,7 +3672,7 @@
             <a:fld id="{AED87ACF-EB3C-EA42-8610-542FB50388EB}" type="datetime1">
               <a:rPr lang="en-US" smtClean="0"/>
               <a:pPr/>
-              <a:t>4/11/2011</a:t>
+              <a:t>4/12/2011</a:t>
             </a:fld>
             <a:endParaRPr lang="en-US"/>
           </a:p>
@@ -4104,7 +4104,7 @@
             <a:fld id="{0E0DC31B-692F-774E-A937-DA560DE61DA8}" type="datetime1">
               <a:rPr lang="en-US" smtClean="0"/>
               <a:pPr/>
-              <a:t>4/11/2011</a:t>
+              <a:t>4/12/2011</a:t>
             </a:fld>
             <a:endParaRPr lang="en-US"/>
           </a:p>
@@ -4452,7 +4452,7 @@
             <a:fld id="{95DEFDAE-5BDC-1B4F-BC4C-23C867CEBC21}" type="datetime1">
               <a:rPr lang="en-US" smtClean="0"/>
               <a:pPr/>
-              <a:t>4/11/2011</a:t>
+              <a:t>4/12/2011</a:t>
             </a:fld>
             <a:endParaRPr lang="en-US"/>
           </a:p>
@@ -4544,7 +4544,7 @@
             <a:fld id="{9F53C516-787B-9A45-AFCF-5D75DD78DEBE}" type="datetime1">
               <a:rPr lang="en-US" smtClean="0"/>
               <a:pPr/>
-              <a:t>4/11/2011</a:t>
+              <a:t>4/12/2011</a:t>
             </a:fld>
             <a:endParaRPr lang="en-US"/>
           </a:p>
@@ -4883,7 +4883,7 @@
             <a:fld id="{F19CAA94-9393-BB4A-8CB6-008B1351A132}" type="datetime1">
               <a:rPr lang="en-US" smtClean="0"/>
               <a:pPr/>
-              <a:t>4/11/2011</a:t>
+              <a:t>4/12/2011</a:t>
             </a:fld>
             <a:endParaRPr lang="en-US"/>
           </a:p>
@@ -5097,7 +5097,7 @@
             <a:fld id="{A3476A5E-2ED6-7749-A8C1-D0B1EEEB97E0}" type="datetime1">
               <a:rPr lang="en-US" smtClean="0"/>
               <a:pPr/>
-              <a:t>4/11/2011</a:t>
+              <a:t>4/12/2011</a:t>
             </a:fld>
             <a:endParaRPr lang="en-US"/>
           </a:p>
@@ -5656,11 +5656,7 @@
             </a:r>
             <a:r>
               <a:rPr lang="en-US" smtClean="0"/>
-              <a:t>Writing Tutoria</a:t>
-            </a:r>
-            <a:r>
-              <a:rPr lang="en-US" smtClean="0"/>
-              <a:t>ls</a:t>
+              <a:t>Writing Tutorials</a:t>
             </a:r>
             <a:endParaRPr lang="en-US" dirty="0"/>
           </a:p>
@@ -6491,7 +6487,7 @@
         <p:spPr/>
         <p:txBody>
           <a:bodyPr>
-            <a:normAutofit fontScale="92500" lnSpcReduction="10000"/>
+            <a:normAutofit/>
           </a:bodyPr>
           <a:lstStyle/>
           <a:p>
@@ -6516,48 +6512,37 @@
           </a:p>
           <a:p>
             <a:r>
-              <a:rPr lang="en-US" dirty="0" smtClean="0"/>
-              <a:t>The SAGA build system</a:t>
-            </a:r>
-          </a:p>
-          <a:p>
-            <a:r>
-              <a:rPr lang="en-US" dirty="0" smtClean="0"/>
-              <a:t>Mephisto:  A SAGA bootstrapping tool</a:t>
-            </a:r>
-          </a:p>
-          <a:p>
-            <a:r>
-              <a:rPr lang="en-US" dirty="0" smtClean="0"/>
-              <a:t>Ongoing cyber-infrastructure deployment</a:t>
-            </a:r>
-          </a:p>
-          <a:p>
-            <a:pPr lvl="1"/>
-            <a:r>
-              <a:rPr lang="en-US" dirty="0" smtClean="0"/>
-              <a:t>LONI (Louisiana Optical Network Initiative)</a:t>
-            </a:r>
-          </a:p>
-          <a:p>
-            <a:pPr lvl="1"/>
-            <a:r>
-              <a:rPr lang="en-US" dirty="0" smtClean="0"/>
-              <a:t>TeraGrid, FutureGrid</a:t>
-            </a:r>
-          </a:p>
-          <a:p>
-            <a:pPr lvl="1"/>
-            <a:r>
-              <a:rPr lang="en-US" dirty="0" smtClean="0"/>
-              <a:t>…</a:t>
-            </a:r>
-          </a:p>
-          <a:p>
-            <a:r>
-              <a:rPr lang="en-US" dirty="0" smtClean="0"/>
-              <a:t>Outlook / Ongoing efforts</a:t>
-            </a:r>
+              <a:rPr lang="en-US" dirty="0"/>
+              <a:t>b</a:t>
+            </a:r>
+            <a:r>
+              <a:rPr lang="en-US" dirty="0" smtClean="0"/>
+              <a:t>uilding adaptors</a:t>
+            </a:r>
+            <a:endParaRPr lang="en-US" dirty="0" smtClean="0"/>
+          </a:p>
+          <a:p>
+            <a:r>
+              <a:rPr lang="en-US" dirty="0" smtClean="0"/>
+              <a:t>creating adaptors</a:t>
+            </a:r>
+          </a:p>
+          <a:p>
+            <a:r>
+              <a:rPr lang="en-US" dirty="0" smtClean="0"/>
+              <a:t>configure adaptors</a:t>
+            </a:r>
+          </a:p>
+          <a:p>
+            <a:r>
+              <a:rPr lang="en-US" dirty="0" smtClean="0"/>
+              <a:t>documentation, packaging</a:t>
+            </a:r>
+            <a:r>
+              <a:rPr lang="en-US" smtClean="0"/>
+              <a:t>, testing</a:t>
+            </a:r>
+            <a:endParaRPr lang="en-US" dirty="0" smtClean="0"/>
           </a:p>
         </p:txBody>
       </p:sp>
@@ -6625,7 +6610,7 @@
           <p:nvPr/>
         </p:nvPicPr>
         <mc:AlternateContent xmlns:mc="http://schemas.openxmlformats.org/markup-compatibility/2006">
-          <mc:Choice xmlns:ma="http://schemas.microsoft.com/office/mac/drawingml/2008/main" xmlns:mv="urn:schemas-microsoft-com:mac:vml" xmlns="" Requires="ma">
+          <mc:Choice xmlns="" xmlns:mv="urn:schemas-microsoft-com:mac:vml" xmlns:ma="http://schemas.microsoft.com/office/mac/drawingml/2008/main" Requires="ma">
             <p:blipFill>
               <a:blip r:embed="rId2"/>
               <a:stretch>
